--- a/Curso.pptx
+++ b/Curso.pptx
@@ -8465,8 +8465,8 @@
         </p:nvSpPr>
         <p:spPr>
           <a:xfrm>
-            <a:off x="1115616" y="1779662"/>
-            <a:ext cx="4248472" cy="1815882"/>
+            <a:off x="5364088" y="1779662"/>
+            <a:ext cx="3384376" cy="2031325"/>
           </a:xfrm>
           <a:prstGeom prst="rect">
             <a:avLst/>
@@ -8485,7 +8485,7 @@
                   <a:schemeClr val="tx2"/>
                 </a:solidFill>
               </a:rPr>
-              <a:t>UNIDAD 3</a:t>
+              <a:t>UNIDAD 4</a:t>
             </a:r>
             <a:endParaRPr lang="es-ES" dirty="0">
               <a:solidFill>
@@ -8500,34 +8500,7 @@
                   <a:schemeClr val="tx2"/>
                 </a:solidFill>
               </a:rPr>
-              <a:t>Pruebas automáticas y excepciones</a:t>
-            </a:r>
-          </a:p>
-          <a:p>
-            <a:endParaRPr lang="es-ES" b="1" dirty="0">
-              <a:solidFill>
-                <a:schemeClr val="tx2"/>
-              </a:solidFill>
-            </a:endParaRPr>
-          </a:p>
-          <a:p>
-            <a:r>
-              <a:rPr lang="es-ES" b="1" dirty="0">
-                <a:solidFill>
-                  <a:schemeClr val="tx2"/>
-                </a:solidFill>
-              </a:rPr>
-              <a:t>UNIDAD 5</a:t>
-            </a:r>
-          </a:p>
-          <a:p>
-            <a:r>
-              <a:rPr lang="es-ES" dirty="0">
-                <a:solidFill>
-                  <a:schemeClr val="tx2"/>
-                </a:solidFill>
-              </a:rPr>
-              <a:t>Construcción de la GUI</a:t>
+              <a:t>Persistencia, ordenamiento y búsqueda</a:t>
             </a:r>
           </a:p>
           <a:p>
@@ -8544,8 +8517,20 @@
                   <a:schemeClr val="tx2"/>
                 </a:solidFill>
               </a:rPr>
-              <a:t>UNIDAD 4</a:t>
-            </a:r>
+              <a:t>UNIDAD 5</a:t>
+            </a:r>
+          </a:p>
+          <a:p>
+            <a:r>
+              <a:rPr lang="es-ES" dirty="0">
+                <a:solidFill>
+                  <a:schemeClr val="tx2"/>
+                </a:solidFill>
+              </a:rPr>
+              <a:t>Construcción de la GUI</a:t>
+            </a:r>
+          </a:p>
+          <a:p>
             <a:endParaRPr lang="es-ES" dirty="0">
               <a:solidFill>
                 <a:schemeClr val="tx2"/>
@@ -8554,13 +8539,35 @@
           </a:p>
           <a:p>
             <a:r>
+              <a:rPr lang="es-ES" b="1" dirty="0">
+                <a:solidFill>
+                  <a:schemeClr val="tx2"/>
+                </a:solidFill>
+              </a:rPr>
+              <a:t>UNIDAD 6</a:t>
+            </a:r>
+            <a:endParaRPr lang="es-ES" dirty="0">
+              <a:solidFill>
+                <a:schemeClr val="tx2"/>
+              </a:solidFill>
+            </a:endParaRPr>
+          </a:p>
+          <a:p>
+            <a:r>
               <a:rPr lang="es-ES" dirty="0">
                 <a:solidFill>
                   <a:schemeClr val="tx2"/>
                 </a:solidFill>
               </a:rPr>
-              <a:t>Persistencia, ordenamiento y búsqueda</a:t>
-            </a:r>
+              <a:t>Concurrencia y dibujo básico 2D</a:t>
+            </a:r>
+          </a:p>
+          <a:p>
+            <a:endParaRPr lang="es-ES" dirty="0">
+              <a:solidFill>
+                <a:schemeClr val="tx2"/>
+              </a:solidFill>
+            </a:endParaRPr>
           </a:p>
         </p:txBody>
       </p:sp>
@@ -8613,7 +8620,7 @@
         </p:nvSpPr>
         <p:spPr>
           <a:xfrm>
-            <a:off x="539552" y="1861543"/>
+            <a:off x="4788024" y="1861543"/>
             <a:ext cx="360040" cy="360040"/>
           </a:xfrm>
           <a:prstGeom prst="ellipse">
@@ -8650,7 +8657,7 @@
                   <a:schemeClr val="bg1"/>
                 </a:solidFill>
               </a:rPr>
-              <a:t>3</a:t>
+              <a:t>4</a:t>
             </a:r>
             <a:endParaRPr lang="es-CO" dirty="0">
               <a:solidFill>
@@ -8668,7 +8675,7 @@
         </p:nvSpPr>
         <p:spPr>
           <a:xfrm>
-            <a:off x="539552" y="2508331"/>
+            <a:off x="4788024" y="2508331"/>
             <a:ext cx="360040" cy="360040"/>
           </a:xfrm>
           <a:prstGeom prst="ellipse">
@@ -8723,7 +8730,7 @@
         </p:nvSpPr>
         <p:spPr>
           <a:xfrm>
-            <a:off x="539552" y="3155119"/>
+            <a:off x="4788024" y="3155119"/>
             <a:ext cx="360040" cy="360040"/>
           </a:xfrm>
           <a:prstGeom prst="ellipse">
@@ -8760,7 +8767,7 @@
                   <a:schemeClr val="bg1"/>
                 </a:solidFill>
               </a:rPr>
-              <a:t>4</a:t>
+              <a:t>6</a:t>
             </a:r>
             <a:endParaRPr lang="es-CO" dirty="0">
               <a:solidFill>
@@ -8772,10 +8779,10 @@
       </p:sp>
       <p:sp>
         <p:nvSpPr>
-          <p:cNvPr id="9" name="CuadroTexto 8">
+          <p:cNvPr id="4" name="CuadroTexto 8">
             <a:extLst>
               <a:ext uri="{FF2B5EF4-FFF2-40B4-BE49-F238E27FC236}">
-                <a16:creationId xmlns:a16="http://schemas.microsoft.com/office/drawing/2014/main" id="{30277358-24C8-BF44-895C-A7903CEDE574}"/>
+                <a16:creationId xmlns:a16="http://schemas.microsoft.com/office/drawing/2014/main" id="{C9690C03-08C0-4A39-131E-69F000B4C316}"/>
               </a:ext>
             </a:extLst>
           </p:cNvPr>
@@ -8784,8 +8791,8 @@
         </p:nvSpPr>
         <p:spPr>
           <a:xfrm>
-            <a:off x="5170324" y="1779662"/>
-            <a:ext cx="4248472" cy="1815882"/>
+            <a:off x="1129360" y="1779662"/>
+            <a:ext cx="3262620" cy="2246769"/>
           </a:xfrm>
           <a:prstGeom prst="rect">
             <a:avLst/>
@@ -8868,7 +8875,7 @@
                   <a:schemeClr val="tx2"/>
                 </a:solidFill>
               </a:rPr>
-              <a:t>UNIDAD 6</a:t>
+              <a:t>UNIDAD 3</a:t>
             </a:r>
             <a:endParaRPr lang="es-ES" dirty="0">
               <a:solidFill>
@@ -8883,17 +8890,31 @@
                   <a:schemeClr val="tx2"/>
                 </a:solidFill>
               </a:rPr>
-              <a:t>Concurrencia y dibujo básico 2D</a:t>
-            </a:r>
-          </a:p>
-        </p:txBody>
-      </p:sp>
-      <p:sp>
-        <p:nvSpPr>
-          <p:cNvPr id="10" name="Elipse 9">
+              <a:t>Pruebas automáticas y excepciones</a:t>
+            </a:r>
+          </a:p>
+          <a:p>
+            <a:endParaRPr lang="es-ES" dirty="0">
+              <a:solidFill>
+                <a:schemeClr val="tx2"/>
+              </a:solidFill>
+            </a:endParaRPr>
+          </a:p>
+          <a:p>
+            <a:endParaRPr lang="es-ES" dirty="0">
+              <a:solidFill>
+                <a:schemeClr val="tx2"/>
+              </a:solidFill>
+            </a:endParaRPr>
+          </a:p>
+        </p:txBody>
+      </p:sp>
+      <p:sp>
+        <p:nvSpPr>
+          <p:cNvPr id="5" name="Elipse 9">
             <a:extLst>
               <a:ext uri="{FF2B5EF4-FFF2-40B4-BE49-F238E27FC236}">
-                <a16:creationId xmlns:a16="http://schemas.microsoft.com/office/drawing/2014/main" id="{7803282D-7DA6-E94C-9421-E7B09E65C2E5}"/>
+                <a16:creationId xmlns:a16="http://schemas.microsoft.com/office/drawing/2014/main" id="{CFC7DDD4-4D33-8B0E-4AC0-BB9F140E0554}"/>
               </a:ext>
             </a:extLst>
           </p:cNvPr>
@@ -8902,7 +8923,7 @@
         </p:nvSpPr>
         <p:spPr>
           <a:xfrm>
-            <a:off x="4594260" y="1861543"/>
+            <a:off x="553296" y="1861543"/>
             <a:ext cx="360040" cy="360040"/>
           </a:xfrm>
           <a:prstGeom prst="ellipse">
@@ -8951,10 +8972,10 @@
       </p:sp>
       <p:sp>
         <p:nvSpPr>
-          <p:cNvPr id="11" name="Elipse 10">
+          <p:cNvPr id="6" name="Elipse 10">
             <a:extLst>
               <a:ext uri="{FF2B5EF4-FFF2-40B4-BE49-F238E27FC236}">
-                <a16:creationId xmlns:a16="http://schemas.microsoft.com/office/drawing/2014/main" id="{D9C7A6D1-8FF2-F94D-B1A6-B5509B7FD64D}"/>
+                <a16:creationId xmlns:a16="http://schemas.microsoft.com/office/drawing/2014/main" id="{5BB93FC2-4429-20F6-47C5-C210577E721D}"/>
               </a:ext>
             </a:extLst>
           </p:cNvPr>
@@ -8963,7 +8984,7 @@
         </p:nvSpPr>
         <p:spPr>
           <a:xfrm>
-            <a:off x="4594260" y="2508331"/>
+            <a:off x="553296" y="2508331"/>
             <a:ext cx="360040" cy="360040"/>
           </a:xfrm>
           <a:prstGeom prst="ellipse">
@@ -9012,10 +9033,10 @@
       </p:sp>
       <p:sp>
         <p:nvSpPr>
-          <p:cNvPr id="13" name="Elipse 12">
+          <p:cNvPr id="7" name="Elipse 12">
             <a:extLst>
               <a:ext uri="{FF2B5EF4-FFF2-40B4-BE49-F238E27FC236}">
-                <a16:creationId xmlns:a16="http://schemas.microsoft.com/office/drawing/2014/main" id="{4C9D3725-BAD6-0642-B306-409639429469}"/>
+                <a16:creationId xmlns:a16="http://schemas.microsoft.com/office/drawing/2014/main" id="{F223EDEE-1276-07D3-4C58-28908C0AA604}"/>
               </a:ext>
             </a:extLst>
           </p:cNvPr>
@@ -9024,7 +9045,7 @@
         </p:nvSpPr>
         <p:spPr>
           <a:xfrm>
-            <a:off x="4594260" y="3155119"/>
+            <a:off x="553296" y="3155119"/>
             <a:ext cx="360040" cy="360040"/>
           </a:xfrm>
           <a:prstGeom prst="ellipse">
@@ -9061,7 +9082,7 @@
                   <a:schemeClr val="bg1"/>
                 </a:solidFill>
               </a:rPr>
-              <a:t>6</a:t>
+              <a:t>3</a:t>
             </a:r>
             <a:endParaRPr lang="es-CO" dirty="0">
               <a:solidFill>
